--- a/TwitterSplitter (1).pptx
+++ b/TwitterSplitter (1).pptx
@@ -136,6 +136,20 @@
         </p14:section>
       </p14:sectionLst>
     </p:ext>
+    <p:ext uri="{EFAFB233-063F-42B5-8137-9DF3F51BA10A}">
+      <p15:sldGuideLst xmlns:p15="http://schemas.microsoft.com/office/powerpoint/2012/main">
+        <p15:guide id="1" orient="horz" pos="2160">
+          <p15:clr>
+            <a:srgbClr val="A4A3A4"/>
+          </p15:clr>
+        </p15:guide>
+        <p15:guide id="2" pos="2880">
+          <p15:clr>
+            <a:srgbClr val="A4A3A4"/>
+          </p15:clr>
+        </p15:guide>
+      </p15:sldGuideLst>
+    </p:ext>
   </p:extLst>
 </p:presentation>
 </file>
@@ -220,9 +234,7 @@
         </p:style>
         <p:txBody>
           <a:bodyPr anchor="ctr"/>
-          <a:lstStyle>
-            <a:extLst/>
-          </a:lstStyle>
+          <a:lstStyle/>
           <a:p>
             <a:pPr algn="ctr" eaLnBrk="1" latinLnBrk="0" hangingPunct="1"/>
             <a:endParaRPr kumimoji="0" lang="en-US"/>
@@ -275,10 +287,9 @@
           </a:lstStyle>
           <a:p>
             <a:r>
-              <a:rPr kumimoji="0" lang="en-US" smtClean="0"/>
+              <a:rPr kumimoji="0" lang="en-US"/>
               <a:t>Click to edit Master title style</a:t>
             </a:r>
-            <a:endParaRPr kumimoji="0" lang="en-US"/>
           </a:p>
         </p:txBody>
       </p:sp>
@@ -337,10 +348,9 @@
           </a:lstStyle>
           <a:p>
             <a:r>
-              <a:rPr kumimoji="0" lang="en-US" smtClean="0"/>
+              <a:rPr kumimoji="0" lang="en-US"/>
               <a:t>Click to edit Master subtitle style</a:t>
             </a:r>
-            <a:endParaRPr kumimoji="0" lang="en-US"/>
           </a:p>
         </p:txBody>
       </p:sp>
@@ -435,9 +445,7 @@
           </p:spPr>
           <p:txBody>
             <a:bodyPr vert="horz" wrap="square" lIns="91440" tIns="45720" rIns="91440" bIns="45720" anchor="t" compatLnSpc="1"/>
-            <a:lstStyle>
-              <a:extLst/>
-            </a:lstStyle>
+            <a:lstStyle/>
             <a:p>
               <a:endParaRPr kumimoji="0" lang="en-US"/>
             </a:p>
@@ -517,9 +525,7 @@
           </p:spPr>
           <p:txBody>
             <a:bodyPr vert="horz" wrap="square" lIns="91440" tIns="45720" rIns="91440" bIns="45720" anchor="t" compatLnSpc="1"/>
-            <a:lstStyle>
-              <a:extLst/>
-            </a:lstStyle>
+            <a:lstStyle/>
             <a:p>
               <a:endParaRPr kumimoji="0" lang="en-US"/>
             </a:p>
@@ -676,9 +682,7 @@
           </p:style>
           <p:txBody>
             <a:bodyPr vert="horz" wrap="square" lIns="91440" tIns="45720" rIns="91440" bIns="45720" anchor="ctr" compatLnSpc="1"/>
-            <a:lstStyle>
-              <a:extLst/>
-            </a:lstStyle>
+            <a:lstStyle/>
             <a:p>
               <a:pPr algn="ctr" eaLnBrk="1" latinLnBrk="0" hangingPunct="1"/>
               <a:endParaRPr kumimoji="0" lang="en-US"/>
@@ -765,7 +769,7 @@
           <a:p>
             <a:fld id="{18877800-743F-4611-972B-3D7896F1A240}" type="datetimeFigureOut">
               <a:rPr lang="sr-Latn-RS" smtClean="0"/>
-              <a:t>24.9.2018</a:t>
+              <a:t>26.9.2018.</a:t>
             </a:fld>
             <a:endParaRPr lang="sr-Latn-RS"/>
           </a:p>
@@ -871,15 +875,12 @@
         <p:spPr/>
         <p:txBody>
           <a:bodyPr/>
-          <a:lstStyle>
-            <a:extLst/>
-          </a:lstStyle>
-          <a:p>
-            <a:r>
-              <a:rPr kumimoji="0" lang="en-US" smtClean="0"/>
+          <a:lstStyle/>
+          <a:p>
+            <a:r>
+              <a:rPr kumimoji="0" lang="en-US"/>
               <a:t>Click to edit Master title style</a:t>
             </a:r>
-            <a:endParaRPr kumimoji="0" lang="en-US"/>
           </a:p>
         </p:txBody>
       </p:sp>
@@ -901,41 +902,39 @@
         </p:spPr>
         <p:txBody>
           <a:bodyPr vert="eaVert"/>
-          <a:lstStyle>
-            <a:extLst/>
-          </a:lstStyle>
+          <a:lstStyle/>
           <a:p>
             <a:pPr lvl="0" eaLnBrk="1" latinLnBrk="0" hangingPunct="1"/>
             <a:r>
-              <a:rPr lang="en-US" smtClean="0"/>
+              <a:rPr lang="en-US"/>
               <a:t>Click to edit Master text styles</a:t>
             </a:r>
           </a:p>
           <a:p>
             <a:pPr lvl="1" eaLnBrk="1" latinLnBrk="0" hangingPunct="1"/>
             <a:r>
-              <a:rPr lang="en-US" smtClean="0"/>
+              <a:rPr lang="en-US"/>
               <a:t>Second level</a:t>
             </a:r>
           </a:p>
           <a:p>
             <a:pPr lvl="2" eaLnBrk="1" latinLnBrk="0" hangingPunct="1"/>
             <a:r>
-              <a:rPr lang="en-US" smtClean="0"/>
+              <a:rPr lang="en-US"/>
               <a:t>Third level</a:t>
             </a:r>
           </a:p>
           <a:p>
             <a:pPr lvl="3" eaLnBrk="1" latinLnBrk="0" hangingPunct="1"/>
             <a:r>
-              <a:rPr lang="en-US" smtClean="0"/>
+              <a:rPr lang="en-US"/>
               <a:t>Fourth level</a:t>
             </a:r>
           </a:p>
           <a:p>
             <a:pPr lvl="4" eaLnBrk="1" latinLnBrk="0" hangingPunct="1"/>
             <a:r>
-              <a:rPr lang="en-US" smtClean="0"/>
+              <a:rPr lang="en-US"/>
               <a:t>Fifth level</a:t>
             </a:r>
             <a:endParaRPr kumimoji="0" lang="en-US"/>
@@ -955,13 +954,11 @@
         <p:spPr/>
         <p:txBody>
           <a:bodyPr/>
-          <a:lstStyle>
-            <a:extLst/>
-          </a:lstStyle>
+          <a:lstStyle/>
           <a:p>
             <a:fld id="{18877800-743F-4611-972B-3D7896F1A240}" type="datetimeFigureOut">
               <a:rPr lang="sr-Latn-RS" smtClean="0"/>
-              <a:t>24.9.2018</a:t>
+              <a:t>26.9.2018.</a:t>
             </a:fld>
             <a:endParaRPr lang="sr-Latn-RS"/>
           </a:p>
@@ -980,9 +977,7 @@
         <p:spPr/>
         <p:txBody>
           <a:bodyPr/>
-          <a:lstStyle>
-            <a:extLst/>
-          </a:lstStyle>
+          <a:lstStyle/>
           <a:p>
             <a:endParaRPr lang="sr-Latn-RS"/>
           </a:p>
@@ -1001,9 +996,7 @@
         <p:spPr/>
         <p:txBody>
           <a:bodyPr/>
-          <a:lstStyle>
-            <a:extLst/>
-          </a:lstStyle>
+          <a:lstStyle/>
           <a:p>
             <a:fld id="{01AE8349-EB2E-4255-A82B-E6D018CCA536}" type="slidenum">
               <a:rPr lang="sr-Latn-RS" smtClean="0"/>
@@ -1056,15 +1049,12 @@
         </p:spPr>
         <p:txBody>
           <a:bodyPr vert="eaVert"/>
-          <a:lstStyle>
-            <a:extLst/>
-          </a:lstStyle>
-          <a:p>
-            <a:r>
-              <a:rPr kumimoji="0" lang="en-US" smtClean="0"/>
+          <a:lstStyle/>
+          <a:p>
+            <a:r>
+              <a:rPr kumimoji="0" lang="en-US"/>
               <a:t>Click to edit Master title style</a:t>
             </a:r>
-            <a:endParaRPr kumimoji="0" lang="en-US"/>
           </a:p>
         </p:txBody>
       </p:sp>
@@ -1086,41 +1076,39 @@
         </p:spPr>
         <p:txBody>
           <a:bodyPr vert="eaVert"/>
-          <a:lstStyle>
-            <a:extLst/>
-          </a:lstStyle>
+          <a:lstStyle/>
           <a:p>
             <a:pPr lvl="0" eaLnBrk="1" latinLnBrk="0" hangingPunct="1"/>
             <a:r>
-              <a:rPr lang="en-US" smtClean="0"/>
+              <a:rPr lang="en-US"/>
               <a:t>Click to edit Master text styles</a:t>
             </a:r>
           </a:p>
           <a:p>
             <a:pPr lvl="1" eaLnBrk="1" latinLnBrk="0" hangingPunct="1"/>
             <a:r>
-              <a:rPr lang="en-US" smtClean="0"/>
+              <a:rPr lang="en-US"/>
               <a:t>Second level</a:t>
             </a:r>
           </a:p>
           <a:p>
             <a:pPr lvl="2" eaLnBrk="1" latinLnBrk="0" hangingPunct="1"/>
             <a:r>
-              <a:rPr lang="en-US" smtClean="0"/>
+              <a:rPr lang="en-US"/>
               <a:t>Third level</a:t>
             </a:r>
           </a:p>
           <a:p>
             <a:pPr lvl="3" eaLnBrk="1" latinLnBrk="0" hangingPunct="1"/>
             <a:r>
-              <a:rPr lang="en-US" smtClean="0"/>
+              <a:rPr lang="en-US"/>
               <a:t>Fourth level</a:t>
             </a:r>
           </a:p>
           <a:p>
             <a:pPr lvl="4" eaLnBrk="1" latinLnBrk="0" hangingPunct="1"/>
             <a:r>
-              <a:rPr lang="en-US" smtClean="0"/>
+              <a:rPr lang="en-US"/>
               <a:t>Fifth level</a:t>
             </a:r>
             <a:endParaRPr kumimoji="0" lang="en-US"/>
@@ -1140,13 +1128,11 @@
         <p:spPr/>
         <p:txBody>
           <a:bodyPr/>
-          <a:lstStyle>
-            <a:extLst/>
-          </a:lstStyle>
+          <a:lstStyle/>
           <a:p>
             <a:fld id="{18877800-743F-4611-972B-3D7896F1A240}" type="datetimeFigureOut">
               <a:rPr lang="sr-Latn-RS" smtClean="0"/>
-              <a:t>24.9.2018</a:t>
+              <a:t>26.9.2018.</a:t>
             </a:fld>
             <a:endParaRPr lang="sr-Latn-RS"/>
           </a:p>
@@ -1165,9 +1151,7 @@
         <p:spPr/>
         <p:txBody>
           <a:bodyPr/>
-          <a:lstStyle>
-            <a:extLst/>
-          </a:lstStyle>
+          <a:lstStyle/>
           <a:p>
             <a:endParaRPr lang="sr-Latn-RS"/>
           </a:p>
@@ -1186,9 +1170,7 @@
         <p:spPr/>
         <p:txBody>
           <a:bodyPr/>
-          <a:lstStyle>
-            <a:extLst/>
-          </a:lstStyle>
+          <a:lstStyle/>
           <a:p>
             <a:fld id="{01AE8349-EB2E-4255-A82B-E6D018CCA536}" type="slidenum">
               <a:rPr lang="sr-Latn-RS" smtClean="0"/>
@@ -1236,41 +1218,39 @@
         <p:spPr/>
         <p:txBody>
           <a:bodyPr/>
-          <a:lstStyle>
-            <a:extLst/>
-          </a:lstStyle>
+          <a:lstStyle/>
           <a:p>
             <a:pPr lvl="0" eaLnBrk="1" latinLnBrk="0" hangingPunct="1"/>
             <a:r>
-              <a:rPr lang="en-US" smtClean="0"/>
+              <a:rPr lang="en-US"/>
               <a:t>Click to edit Master text styles</a:t>
             </a:r>
           </a:p>
           <a:p>
             <a:pPr lvl="1" eaLnBrk="1" latinLnBrk="0" hangingPunct="1"/>
             <a:r>
-              <a:rPr lang="en-US" smtClean="0"/>
+              <a:rPr lang="en-US"/>
               <a:t>Second level</a:t>
             </a:r>
           </a:p>
           <a:p>
             <a:pPr lvl="2" eaLnBrk="1" latinLnBrk="0" hangingPunct="1"/>
             <a:r>
-              <a:rPr lang="en-US" smtClean="0"/>
+              <a:rPr lang="en-US"/>
               <a:t>Third level</a:t>
             </a:r>
           </a:p>
           <a:p>
             <a:pPr lvl="3" eaLnBrk="1" latinLnBrk="0" hangingPunct="1"/>
             <a:r>
-              <a:rPr lang="en-US" smtClean="0"/>
+              <a:rPr lang="en-US"/>
               <a:t>Fourth level</a:t>
             </a:r>
           </a:p>
           <a:p>
             <a:pPr lvl="4" eaLnBrk="1" latinLnBrk="0" hangingPunct="1"/>
             <a:r>
-              <a:rPr lang="en-US" smtClean="0"/>
+              <a:rPr lang="en-US"/>
               <a:t>Fifth level</a:t>
             </a:r>
             <a:endParaRPr kumimoji="0" lang="en-US"/>
@@ -1290,13 +1270,11 @@
         <p:spPr/>
         <p:txBody>
           <a:bodyPr/>
-          <a:lstStyle>
-            <a:extLst/>
-          </a:lstStyle>
+          <a:lstStyle/>
           <a:p>
             <a:fld id="{18877800-743F-4611-972B-3D7896F1A240}" type="datetimeFigureOut">
               <a:rPr lang="sr-Latn-RS" smtClean="0"/>
-              <a:t>24.9.2018</a:t>
+              <a:t>26.9.2018.</a:t>
             </a:fld>
             <a:endParaRPr lang="sr-Latn-RS"/>
           </a:p>
@@ -1315,9 +1293,7 @@
         <p:spPr/>
         <p:txBody>
           <a:bodyPr/>
-          <a:lstStyle>
-            <a:extLst/>
-          </a:lstStyle>
+          <a:lstStyle/>
           <a:p>
             <a:endParaRPr lang="sr-Latn-RS"/>
           </a:p>
@@ -1336,9 +1312,7 @@
         <p:spPr/>
         <p:txBody>
           <a:bodyPr/>
-          <a:lstStyle>
-            <a:extLst/>
-          </a:lstStyle>
+          <a:lstStyle/>
           <a:p>
             <a:fld id="{01AE8349-EB2E-4255-A82B-E6D018CCA536}" type="slidenum">
               <a:rPr lang="sr-Latn-RS" smtClean="0"/>
@@ -1361,15 +1335,12 @@
         <p:spPr/>
         <p:txBody>
           <a:bodyPr rtlCol="0"/>
-          <a:lstStyle>
-            <a:extLst/>
-          </a:lstStyle>
-          <a:p>
-            <a:r>
-              <a:rPr kumimoji="0" lang="en-US" smtClean="0"/>
+          <a:lstStyle/>
+          <a:p>
+            <a:r>
+              <a:rPr kumimoji="0" lang="en-US"/>
               <a:t>Click to edit Master title style</a:t>
             </a:r>
-            <a:endParaRPr kumimoji="0" lang="en-US"/>
           </a:p>
         </p:txBody>
       </p:sp>
@@ -1447,10 +1418,9 @@
           </a:lstStyle>
           <a:p>
             <a:r>
-              <a:rPr kumimoji="0" lang="en-US" smtClean="0"/>
+              <a:rPr kumimoji="0" lang="en-US"/>
               <a:t>Click to edit Master title style</a:t>
             </a:r>
-            <a:endParaRPr kumimoji="0" lang="en-US"/>
           </a:p>
         </p:txBody>
       </p:sp>
@@ -1526,7 +1496,7 @@
           <a:p>
             <a:pPr lvl="0" eaLnBrk="1" latinLnBrk="0" hangingPunct="1"/>
             <a:r>
-              <a:rPr kumimoji="0" lang="en-US" smtClean="0"/>
+              <a:rPr kumimoji="0" lang="en-US"/>
               <a:t>Click to edit Master text styles</a:t>
             </a:r>
           </a:p>
@@ -1545,13 +1515,11 @@
         <p:spPr/>
         <p:txBody>
           <a:bodyPr/>
-          <a:lstStyle>
-            <a:extLst/>
-          </a:lstStyle>
+          <a:lstStyle/>
           <a:p>
             <a:fld id="{18877800-743F-4611-972B-3D7896F1A240}" type="datetimeFigureOut">
               <a:rPr lang="sr-Latn-RS" smtClean="0"/>
-              <a:t>24.9.2018</a:t>
+              <a:t>26.9.2018.</a:t>
             </a:fld>
             <a:endParaRPr lang="sr-Latn-RS"/>
           </a:p>
@@ -1570,9 +1538,7 @@
         <p:spPr/>
         <p:txBody>
           <a:bodyPr/>
-          <a:lstStyle>
-            <a:extLst/>
-          </a:lstStyle>
+          <a:lstStyle/>
           <a:p>
             <a:endParaRPr lang="sr-Latn-RS"/>
           </a:p>
@@ -1591,9 +1557,7 @@
         <p:spPr/>
         <p:txBody>
           <a:bodyPr/>
-          <a:lstStyle>
-            <a:extLst/>
-          </a:lstStyle>
+          <a:lstStyle/>
           <a:p>
             <a:fld id="{01AE8349-EB2E-4255-A82B-E6D018CCA536}" type="slidenum">
               <a:rPr lang="sr-Latn-RS" smtClean="0"/>
@@ -1674,9 +1638,7 @@
         </p:style>
         <p:txBody>
           <a:bodyPr anchor="ctr"/>
-          <a:lstStyle>
-            <a:extLst/>
-          </a:lstStyle>
+          <a:lstStyle/>
           <a:p>
             <a:pPr algn="l" eaLnBrk="1" latinLnBrk="0" hangingPunct="1"/>
             <a:endParaRPr kumimoji="0" lang="en-US"/>
@@ -1754,9 +1716,7 @@
         </p:style>
         <p:txBody>
           <a:bodyPr anchor="ctr"/>
-          <a:lstStyle>
-            <a:extLst/>
-          </a:lstStyle>
+          <a:lstStyle/>
           <a:p>
             <a:pPr algn="l" eaLnBrk="1" latinLnBrk="0" hangingPunct="1"/>
             <a:endParaRPr kumimoji="0" lang="en-US"/>
@@ -1832,35 +1792,35 @@
           <a:p>
             <a:pPr lvl="0" eaLnBrk="1" latinLnBrk="0" hangingPunct="1"/>
             <a:r>
-              <a:rPr lang="en-US" smtClean="0"/>
+              <a:rPr lang="en-US"/>
               <a:t>Click to edit Master text styles</a:t>
             </a:r>
           </a:p>
           <a:p>
             <a:pPr lvl="1" eaLnBrk="1" latinLnBrk="0" hangingPunct="1"/>
             <a:r>
-              <a:rPr lang="en-US" smtClean="0"/>
+              <a:rPr lang="en-US"/>
               <a:t>Second level</a:t>
             </a:r>
           </a:p>
           <a:p>
             <a:pPr lvl="2" eaLnBrk="1" latinLnBrk="0" hangingPunct="1"/>
             <a:r>
-              <a:rPr lang="en-US" smtClean="0"/>
+              <a:rPr lang="en-US"/>
               <a:t>Third level</a:t>
             </a:r>
           </a:p>
           <a:p>
             <a:pPr lvl="3" eaLnBrk="1" latinLnBrk="0" hangingPunct="1"/>
             <a:r>
-              <a:rPr lang="en-US" smtClean="0"/>
+              <a:rPr lang="en-US"/>
               <a:t>Fourth level</a:t>
             </a:r>
           </a:p>
           <a:p>
             <a:pPr lvl="4" eaLnBrk="1" latinLnBrk="0" hangingPunct="1"/>
             <a:r>
-              <a:rPr lang="en-US" smtClean="0"/>
+              <a:rPr lang="en-US"/>
               <a:t>Fifth level</a:t>
             </a:r>
             <a:endParaRPr kumimoji="0" lang="en-US"/>
@@ -1906,35 +1866,35 @@
           <a:p>
             <a:pPr lvl="0" eaLnBrk="1" latinLnBrk="0" hangingPunct="1"/>
             <a:r>
-              <a:rPr lang="en-US" smtClean="0"/>
+              <a:rPr lang="en-US"/>
               <a:t>Click to edit Master text styles</a:t>
             </a:r>
           </a:p>
           <a:p>
             <a:pPr lvl="1" eaLnBrk="1" latinLnBrk="0" hangingPunct="1"/>
             <a:r>
-              <a:rPr lang="en-US" smtClean="0"/>
+              <a:rPr lang="en-US"/>
               <a:t>Second level</a:t>
             </a:r>
           </a:p>
           <a:p>
             <a:pPr lvl="2" eaLnBrk="1" latinLnBrk="0" hangingPunct="1"/>
             <a:r>
-              <a:rPr lang="en-US" smtClean="0"/>
+              <a:rPr lang="en-US"/>
               <a:t>Third level</a:t>
             </a:r>
           </a:p>
           <a:p>
             <a:pPr lvl="3" eaLnBrk="1" latinLnBrk="0" hangingPunct="1"/>
             <a:r>
-              <a:rPr lang="en-US" smtClean="0"/>
+              <a:rPr lang="en-US"/>
               <a:t>Fourth level</a:t>
             </a:r>
           </a:p>
           <a:p>
             <a:pPr lvl="4" eaLnBrk="1" latinLnBrk="0" hangingPunct="1"/>
             <a:r>
-              <a:rPr lang="en-US" smtClean="0"/>
+              <a:rPr lang="en-US"/>
               <a:t>Fifth level</a:t>
             </a:r>
             <a:endParaRPr kumimoji="0" lang="en-US"/>
@@ -1954,13 +1914,11 @@
         <p:spPr/>
         <p:txBody>
           <a:bodyPr/>
-          <a:lstStyle>
-            <a:extLst/>
-          </a:lstStyle>
+          <a:lstStyle/>
           <a:p>
             <a:fld id="{18877800-743F-4611-972B-3D7896F1A240}" type="datetimeFigureOut">
               <a:rPr lang="sr-Latn-RS" smtClean="0"/>
-              <a:t>24.9.2018</a:t>
+              <a:t>26.9.2018.</a:t>
             </a:fld>
             <a:endParaRPr lang="sr-Latn-RS"/>
           </a:p>
@@ -1979,9 +1937,7 @@
         <p:spPr/>
         <p:txBody>
           <a:bodyPr/>
-          <a:lstStyle>
-            <a:extLst/>
-          </a:lstStyle>
+          <a:lstStyle/>
           <a:p>
             <a:endParaRPr lang="sr-Latn-RS"/>
           </a:p>
@@ -2000,9 +1956,7 @@
         <p:spPr/>
         <p:txBody>
           <a:bodyPr/>
-          <a:lstStyle>
-            <a:extLst/>
-          </a:lstStyle>
+          <a:lstStyle/>
           <a:p>
             <a:fld id="{01AE8349-EB2E-4255-A82B-E6D018CCA536}" type="slidenum">
               <a:rPr lang="sr-Latn-RS" smtClean="0"/>
@@ -2025,15 +1979,12 @@
         <p:spPr/>
         <p:txBody>
           <a:bodyPr rtlCol="0"/>
-          <a:lstStyle>
-            <a:extLst/>
-          </a:lstStyle>
-          <a:p>
-            <a:r>
-              <a:rPr kumimoji="0" lang="en-US" smtClean="0"/>
+          <a:lstStyle/>
+          <a:p>
+            <a:r>
+              <a:rPr kumimoji="0" lang="en-US"/>
               <a:t>Click to edit Master title style</a:t>
             </a:r>
-            <a:endParaRPr kumimoji="0" lang="en-US"/>
           </a:p>
         </p:txBody>
       </p:sp>
@@ -2093,10 +2044,9 @@
           </a:lstStyle>
           <a:p>
             <a:r>
-              <a:rPr kumimoji="0" lang="en-US" smtClean="0"/>
+              <a:rPr kumimoji="0" lang="en-US"/>
               <a:t>Click to edit Master title style</a:t>
             </a:r>
-            <a:endParaRPr kumimoji="0" lang="en-US"/>
           </a:p>
         </p:txBody>
       </p:sp>
@@ -2157,7 +2107,7 @@
           <a:p>
             <a:pPr lvl="0" eaLnBrk="1" latinLnBrk="0" hangingPunct="1"/>
             <a:r>
-              <a:rPr kumimoji="0" lang="en-US" smtClean="0"/>
+              <a:rPr kumimoji="0" lang="en-US"/>
               <a:t>Click to edit Master text styles</a:t>
             </a:r>
           </a:p>
@@ -2220,7 +2170,7 @@
           <a:p>
             <a:pPr lvl="0" eaLnBrk="1" latinLnBrk="0" hangingPunct="1"/>
             <a:r>
-              <a:rPr kumimoji="0" lang="en-US" smtClean="0"/>
+              <a:rPr kumimoji="0" lang="en-US"/>
               <a:t>Click to edit Master text styles</a:t>
             </a:r>
           </a:p>
@@ -2270,35 +2220,35 @@
           <a:p>
             <a:pPr lvl="0" eaLnBrk="1" latinLnBrk="0" hangingPunct="1"/>
             <a:r>
-              <a:rPr lang="en-US" smtClean="0"/>
+              <a:rPr lang="en-US"/>
               <a:t>Click to edit Master text styles</a:t>
             </a:r>
           </a:p>
           <a:p>
             <a:pPr lvl="1" eaLnBrk="1" latinLnBrk="0" hangingPunct="1"/>
             <a:r>
-              <a:rPr lang="en-US" smtClean="0"/>
+              <a:rPr lang="en-US"/>
               <a:t>Second level</a:t>
             </a:r>
           </a:p>
           <a:p>
             <a:pPr lvl="2" eaLnBrk="1" latinLnBrk="0" hangingPunct="1"/>
             <a:r>
-              <a:rPr lang="en-US" smtClean="0"/>
+              <a:rPr lang="en-US"/>
               <a:t>Third level</a:t>
             </a:r>
           </a:p>
           <a:p>
             <a:pPr lvl="3" eaLnBrk="1" latinLnBrk="0" hangingPunct="1"/>
             <a:r>
-              <a:rPr lang="en-US" smtClean="0"/>
+              <a:rPr lang="en-US"/>
               <a:t>Fourth level</a:t>
             </a:r>
           </a:p>
           <a:p>
             <a:pPr lvl="4" eaLnBrk="1" latinLnBrk="0" hangingPunct="1"/>
             <a:r>
-              <a:rPr lang="en-US" smtClean="0"/>
+              <a:rPr lang="en-US"/>
               <a:t>Fifth level</a:t>
             </a:r>
             <a:endParaRPr kumimoji="0" lang="en-US"/>
@@ -2352,35 +2302,35 @@
           <a:p>
             <a:pPr lvl="0" eaLnBrk="1" latinLnBrk="0" hangingPunct="1"/>
             <a:r>
-              <a:rPr lang="en-US" smtClean="0"/>
+              <a:rPr lang="en-US"/>
               <a:t>Click to edit Master text styles</a:t>
             </a:r>
           </a:p>
           <a:p>
             <a:pPr lvl="1" eaLnBrk="1" latinLnBrk="0" hangingPunct="1"/>
             <a:r>
-              <a:rPr lang="en-US" smtClean="0"/>
+              <a:rPr lang="en-US"/>
               <a:t>Second level</a:t>
             </a:r>
           </a:p>
           <a:p>
             <a:pPr lvl="2" eaLnBrk="1" latinLnBrk="0" hangingPunct="1"/>
             <a:r>
-              <a:rPr lang="en-US" smtClean="0"/>
+              <a:rPr lang="en-US"/>
               <a:t>Third level</a:t>
             </a:r>
           </a:p>
           <a:p>
             <a:pPr lvl="3" eaLnBrk="1" latinLnBrk="0" hangingPunct="1"/>
             <a:r>
-              <a:rPr lang="en-US" smtClean="0"/>
+              <a:rPr lang="en-US"/>
               <a:t>Fourth level</a:t>
             </a:r>
           </a:p>
           <a:p>
             <a:pPr lvl="4" eaLnBrk="1" latinLnBrk="0" hangingPunct="1"/>
             <a:r>
-              <a:rPr lang="en-US" smtClean="0"/>
+              <a:rPr lang="en-US"/>
               <a:t>Fifth level</a:t>
             </a:r>
             <a:endParaRPr kumimoji="0" lang="en-US"/>
@@ -2400,13 +2350,11 @@
         <p:spPr/>
         <p:txBody>
           <a:bodyPr/>
-          <a:lstStyle>
-            <a:extLst/>
-          </a:lstStyle>
+          <a:lstStyle/>
           <a:p>
             <a:fld id="{18877800-743F-4611-972B-3D7896F1A240}" type="datetimeFigureOut">
               <a:rPr lang="sr-Latn-RS" smtClean="0"/>
-              <a:t>24.9.2018</a:t>
+              <a:t>26.9.2018.</a:t>
             </a:fld>
             <a:endParaRPr lang="sr-Latn-RS"/>
           </a:p>
@@ -2425,9 +2373,7 @@
         <p:spPr/>
         <p:txBody>
           <a:bodyPr/>
-          <a:lstStyle>
-            <a:extLst/>
-          </a:lstStyle>
+          <a:lstStyle/>
           <a:p>
             <a:endParaRPr lang="sr-Latn-RS"/>
           </a:p>
@@ -2446,9 +2392,7 @@
         <p:spPr/>
         <p:txBody>
           <a:bodyPr/>
-          <a:lstStyle>
-            <a:extLst/>
-          </a:lstStyle>
+          <a:lstStyle/>
           <a:p>
             <a:fld id="{01AE8349-EB2E-4255-A82B-E6D018CCA536}" type="slidenum">
               <a:rPr lang="sr-Latn-RS" smtClean="0"/>
@@ -2501,13 +2445,11 @@
         <p:spPr/>
         <p:txBody>
           <a:bodyPr/>
-          <a:lstStyle>
-            <a:extLst/>
-          </a:lstStyle>
+          <a:lstStyle/>
           <a:p>
             <a:fld id="{18877800-743F-4611-972B-3D7896F1A240}" type="datetimeFigureOut">
               <a:rPr lang="sr-Latn-RS" smtClean="0"/>
-              <a:t>24.9.2018</a:t>
+              <a:t>26.9.2018.</a:t>
             </a:fld>
             <a:endParaRPr lang="sr-Latn-RS"/>
           </a:p>
@@ -2526,9 +2468,7 @@
         <p:spPr/>
         <p:txBody>
           <a:bodyPr/>
-          <a:lstStyle>
-            <a:extLst/>
-          </a:lstStyle>
+          <a:lstStyle/>
           <a:p>
             <a:endParaRPr lang="sr-Latn-RS"/>
           </a:p>
@@ -2547,9 +2487,7 @@
         <p:spPr/>
         <p:txBody>
           <a:bodyPr/>
-          <a:lstStyle>
-            <a:extLst/>
-          </a:lstStyle>
+          <a:lstStyle/>
           <a:p>
             <a:fld id="{01AE8349-EB2E-4255-A82B-E6D018CCA536}" type="slidenum">
               <a:rPr lang="sr-Latn-RS" smtClean="0"/>
@@ -2572,15 +2510,12 @@
         <p:spPr/>
         <p:txBody>
           <a:bodyPr rtlCol="0"/>
-          <a:lstStyle>
-            <a:extLst/>
-          </a:lstStyle>
-          <a:p>
-            <a:r>
-              <a:rPr kumimoji="0" lang="en-US" smtClean="0"/>
+          <a:lstStyle/>
+          <a:p>
+            <a:r>
+              <a:rPr kumimoji="0" lang="en-US"/>
               <a:t>Click to edit Master title style</a:t>
             </a:r>
-            <a:endParaRPr kumimoji="0" lang="en-US"/>
           </a:p>
         </p:txBody>
       </p:sp>
@@ -2622,13 +2557,11 @@
         <p:spPr/>
         <p:txBody>
           <a:bodyPr/>
-          <a:lstStyle>
-            <a:extLst/>
-          </a:lstStyle>
+          <a:lstStyle/>
           <a:p>
             <a:fld id="{18877800-743F-4611-972B-3D7896F1A240}" type="datetimeFigureOut">
               <a:rPr lang="sr-Latn-RS" smtClean="0"/>
-              <a:t>24.9.2018</a:t>
+              <a:t>26.9.2018.</a:t>
             </a:fld>
             <a:endParaRPr lang="sr-Latn-RS"/>
           </a:p>
@@ -2647,9 +2580,7 @@
         <p:spPr/>
         <p:txBody>
           <a:bodyPr/>
-          <a:lstStyle>
-            <a:extLst/>
-          </a:lstStyle>
+          <a:lstStyle/>
           <a:p>
             <a:endParaRPr lang="sr-Latn-RS"/>
           </a:p>
@@ -2668,9 +2599,7 @@
         <p:spPr/>
         <p:txBody>
           <a:bodyPr/>
-          <a:lstStyle>
-            <a:extLst/>
-          </a:lstStyle>
+          <a:lstStyle/>
           <a:p>
             <a:fld id="{01AE8349-EB2E-4255-A82B-E6D018CCA536}" type="slidenum">
               <a:rPr lang="sr-Latn-RS" smtClean="0"/>
@@ -2747,10 +2676,9 @@
           </a:lstStyle>
           <a:p>
             <a:r>
-              <a:rPr kumimoji="0" lang="en-US" smtClean="0"/>
+              <a:rPr kumimoji="0" lang="en-US"/>
               <a:t>Click to edit Master title style</a:t>
             </a:r>
-            <a:endParaRPr kumimoji="0" lang="en-US"/>
           </a:p>
         </p:txBody>
       </p:sp>
@@ -2798,7 +2726,7 @@
           <a:p>
             <a:pPr lvl="0" eaLnBrk="1" latinLnBrk="0" hangingPunct="1"/>
             <a:r>
-              <a:rPr kumimoji="0" lang="en-US" smtClean="0"/>
+              <a:rPr kumimoji="0" lang="en-US"/>
               <a:t>Click to edit Master text styles</a:t>
             </a:r>
           </a:p>
@@ -2843,35 +2771,35 @@
           <a:p>
             <a:pPr lvl="0" eaLnBrk="1" latinLnBrk="0" hangingPunct="1"/>
             <a:r>
-              <a:rPr lang="en-US" smtClean="0"/>
+              <a:rPr lang="en-US"/>
               <a:t>Click to edit Master text styles</a:t>
             </a:r>
           </a:p>
           <a:p>
             <a:pPr lvl="1" eaLnBrk="1" latinLnBrk="0" hangingPunct="1"/>
             <a:r>
-              <a:rPr lang="en-US" smtClean="0"/>
+              <a:rPr lang="en-US"/>
               <a:t>Second level</a:t>
             </a:r>
           </a:p>
           <a:p>
             <a:pPr lvl="2" eaLnBrk="1" latinLnBrk="0" hangingPunct="1"/>
             <a:r>
-              <a:rPr lang="en-US" smtClean="0"/>
+              <a:rPr lang="en-US"/>
               <a:t>Third level</a:t>
             </a:r>
           </a:p>
           <a:p>
             <a:pPr lvl="3" eaLnBrk="1" latinLnBrk="0" hangingPunct="1"/>
             <a:r>
-              <a:rPr lang="en-US" smtClean="0"/>
+              <a:rPr lang="en-US"/>
               <a:t>Fourth level</a:t>
             </a:r>
           </a:p>
           <a:p>
             <a:pPr lvl="4" eaLnBrk="1" latinLnBrk="0" hangingPunct="1"/>
             <a:r>
-              <a:rPr lang="en-US" smtClean="0"/>
+              <a:rPr lang="en-US"/>
               <a:t>Fifth level</a:t>
             </a:r>
             <a:endParaRPr kumimoji="0" lang="en-US"/>
@@ -2896,13 +2824,11 @@
         </p:spPr>
         <p:txBody>
           <a:bodyPr/>
-          <a:lstStyle>
-            <a:extLst/>
-          </a:lstStyle>
+          <a:lstStyle/>
           <a:p>
             <a:fld id="{18877800-743F-4611-972B-3D7896F1A240}" type="datetimeFigureOut">
               <a:rPr lang="sr-Latn-RS" smtClean="0"/>
-              <a:t>24.9.2018</a:t>
+              <a:t>26.9.2018.</a:t>
             </a:fld>
             <a:endParaRPr lang="sr-Latn-RS"/>
           </a:p>
@@ -2921,9 +2847,7 @@
         <p:spPr/>
         <p:txBody>
           <a:bodyPr/>
-          <a:lstStyle>
-            <a:extLst/>
-          </a:lstStyle>
+          <a:lstStyle/>
           <a:p>
             <a:endParaRPr lang="sr-Latn-RS"/>
           </a:p>
@@ -2942,9 +2866,7 @@
         <p:spPr/>
         <p:txBody>
           <a:bodyPr/>
-          <a:lstStyle>
-            <a:extLst/>
-          </a:lstStyle>
+          <a:lstStyle/>
           <a:p>
             <a:fld id="{01AE8349-EB2E-4255-A82B-E6D018CCA536}" type="slidenum">
               <a:rPr lang="sr-Latn-RS" smtClean="0"/>
@@ -3025,7 +2947,7 @@
           <a:p>
             <a:pPr lvl="0" eaLnBrk="1" latinLnBrk="0" hangingPunct="1"/>
             <a:r>
-              <a:rPr kumimoji="0" lang="en-US" smtClean="0"/>
+              <a:rPr kumimoji="0" lang="en-US"/>
               <a:t>Click to edit Master text styles</a:t>
             </a:r>
           </a:p>
@@ -3074,7 +2996,7 @@
           </a:lstStyle>
           <a:p>
             <a:r>
-              <a:rPr kumimoji="0" lang="en-US" smtClean="0"/>
+              <a:rPr kumimoji="0" lang="en-US"/>
               <a:t>Click icon to add picture</a:t>
             </a:r>
             <a:endParaRPr kumimoji="0" lang="en-US" dirty="0"/>
@@ -3107,7 +3029,7 @@
           <a:p>
             <a:fld id="{18877800-743F-4611-972B-3D7896F1A240}" type="datetimeFigureOut">
               <a:rPr lang="sr-Latn-RS" smtClean="0"/>
-              <a:t>24.9.2018</a:t>
+              <a:t>26.9.2018.</a:t>
             </a:fld>
             <a:endParaRPr lang="sr-Latn-RS"/>
           </a:p>
@@ -3219,10 +3141,9 @@
           </a:lstStyle>
           <a:p>
             <a:r>
-              <a:rPr kumimoji="0" lang="en-US" smtClean="0"/>
+              <a:rPr kumimoji="0" lang="en-US"/>
               <a:t>Click to edit Master title style</a:t>
             </a:r>
-            <a:endParaRPr kumimoji="0" lang="en-US"/>
           </a:p>
         </p:txBody>
       </p:sp>
@@ -3302,9 +3223,7 @@
         </p:spPr>
         <p:txBody>
           <a:bodyPr vert="horz" wrap="square" lIns="91440" tIns="45720" rIns="91440" bIns="45720" anchor="t" compatLnSpc="1"/>
-          <a:lstStyle>
-            <a:extLst/>
-          </a:lstStyle>
+          <a:lstStyle/>
           <a:p>
             <a:endParaRPr kumimoji="0" lang="en-US"/>
           </a:p>
@@ -3384,9 +3303,7 @@
         </p:spPr>
         <p:txBody>
           <a:bodyPr vert="horz" wrap="square" lIns="91440" tIns="45720" rIns="91440" bIns="45720" anchor="t" compatLnSpc="1"/>
-          <a:lstStyle>
-            <a:extLst/>
-          </a:lstStyle>
+          <a:lstStyle/>
           <a:p>
             <a:endParaRPr kumimoji="0" lang="en-US"/>
           </a:p>
@@ -3494,9 +3411,7 @@
         </p:style>
         <p:txBody>
           <a:bodyPr vert="horz" wrap="square" lIns="91440" tIns="45720" rIns="91440" bIns="45720" anchor="ctr" compatLnSpc="1"/>
-          <a:lstStyle>
-            <a:extLst/>
-          </a:lstStyle>
+          <a:lstStyle/>
           <a:p>
             <a:pPr algn="ctr" eaLnBrk="1" latinLnBrk="0" hangingPunct="1"/>
             <a:endParaRPr kumimoji="0" lang="en-US"/>
@@ -3627,9 +3542,7 @@
         </p:style>
         <p:txBody>
           <a:bodyPr anchor="ctr"/>
-          <a:lstStyle>
-            <a:extLst/>
-          </a:lstStyle>
+          <a:lstStyle/>
           <a:p>
             <a:pPr algn="l" eaLnBrk="1" latinLnBrk="0" hangingPunct="1"/>
             <a:endParaRPr kumimoji="0" lang="en-US"/>
@@ -3707,9 +3620,7 @@
         </p:style>
         <p:txBody>
           <a:bodyPr anchor="ctr"/>
-          <a:lstStyle>
-            <a:extLst/>
-          </a:lstStyle>
+          <a:lstStyle/>
           <a:p>
             <a:pPr algn="l" eaLnBrk="1" latinLnBrk="0" hangingPunct="1"/>
             <a:endParaRPr kumimoji="0" lang="en-US"/>
@@ -3822,9 +3733,7 @@
         </p:spPr>
         <p:txBody>
           <a:bodyPr vert="horz" wrap="square" lIns="91440" tIns="45720" rIns="91440" bIns="45720" anchor="t" compatLnSpc="1"/>
-          <a:lstStyle>
-            <a:extLst/>
-          </a:lstStyle>
+          <a:lstStyle/>
           <a:p>
             <a:endParaRPr kumimoji="0" lang="en-US"/>
           </a:p>
@@ -3904,9 +3813,7 @@
         </p:spPr>
         <p:txBody>
           <a:bodyPr vert="horz" wrap="square" lIns="91440" tIns="45720" rIns="91440" bIns="45720" anchor="t" compatLnSpc="1"/>
-          <a:lstStyle>
-            <a:extLst/>
-          </a:lstStyle>
+          <a:lstStyle/>
           <a:p>
             <a:endParaRPr kumimoji="0" lang="en-US"/>
           </a:p>
@@ -4014,9 +3921,7 @@
         </p:style>
         <p:txBody>
           <a:bodyPr vert="horz" wrap="square" lIns="91440" tIns="45720" rIns="91440" bIns="45720" anchor="ctr" compatLnSpc="1"/>
-          <a:lstStyle>
-            <a:extLst/>
-          </a:lstStyle>
+          <a:lstStyle/>
           <a:p>
             <a:pPr algn="ctr" eaLnBrk="1" latinLnBrk="0" hangingPunct="1"/>
             <a:endParaRPr kumimoji="0" lang="en-US"/>
@@ -4106,15 +4011,12 @@
               <a:bevelT w="25400" h="25400"/>
             </a:sp3d>
           </a:bodyPr>
-          <a:lstStyle>
-            <a:extLst/>
-          </a:lstStyle>
-          <a:p>
-            <a:r>
-              <a:rPr kumimoji="0" lang="en-US" smtClean="0"/>
+          <a:lstStyle/>
+          <a:p>
+            <a:r>
+              <a:rPr kumimoji="0" lang="en-US"/>
               <a:t>Click to edit Master title style</a:t>
             </a:r>
-            <a:endParaRPr kumimoji="0" lang="en-US"/>
           </a:p>
         </p:txBody>
       </p:sp>
@@ -4141,44 +4043,41 @@
           <a:bodyPr vert="horz">
             <a:normAutofit/>
           </a:bodyPr>
-          <a:lstStyle>
-            <a:extLst/>
-          </a:lstStyle>
+          <a:lstStyle/>
           <a:p>
             <a:pPr lvl="0" eaLnBrk="1" latinLnBrk="0" hangingPunct="1"/>
             <a:r>
-              <a:rPr kumimoji="0" lang="en-US" smtClean="0"/>
+              <a:rPr kumimoji="0" lang="en-US"/>
               <a:t>Click to edit Master text styles</a:t>
             </a:r>
           </a:p>
           <a:p>
             <a:pPr lvl="1" eaLnBrk="1" latinLnBrk="0" hangingPunct="1"/>
             <a:r>
-              <a:rPr kumimoji="0" lang="en-US" smtClean="0"/>
+              <a:rPr kumimoji="0" lang="en-US"/>
               <a:t>Second level</a:t>
             </a:r>
           </a:p>
           <a:p>
             <a:pPr lvl="2" eaLnBrk="1" latinLnBrk="0" hangingPunct="1"/>
             <a:r>
-              <a:rPr kumimoji="0" lang="en-US" smtClean="0"/>
+              <a:rPr kumimoji="0" lang="en-US"/>
               <a:t>Third level</a:t>
             </a:r>
           </a:p>
           <a:p>
             <a:pPr lvl="3" eaLnBrk="1" latinLnBrk="0" hangingPunct="1"/>
             <a:r>
-              <a:rPr kumimoji="0" lang="en-US" smtClean="0"/>
+              <a:rPr kumimoji="0" lang="en-US"/>
               <a:t>Fourth level</a:t>
             </a:r>
           </a:p>
           <a:p>
             <a:pPr lvl="4" eaLnBrk="1" latinLnBrk="0" hangingPunct="1"/>
             <a:r>
-              <a:rPr kumimoji="0" lang="en-US" smtClean="0"/>
+              <a:rPr kumimoji="0" lang="en-US"/>
               <a:t>Fifth level</a:t>
             </a:r>
-            <a:endParaRPr kumimoji="0" lang="en-US"/>
           </a:p>
         </p:txBody>
       </p:sp>
@@ -4216,7 +4115,7 @@
           <a:p>
             <a:fld id="{18877800-743F-4611-972B-3D7896F1A240}" type="datetimeFigureOut">
               <a:rPr lang="sr-Latn-RS" smtClean="0"/>
-              <a:t>24.9.2018</a:t>
+              <a:t>26.9.2018.</a:t>
             </a:fld>
             <a:endParaRPr lang="sr-Latn-RS"/>
           </a:p>
@@ -4644,10 +4543,9 @@
           <a:lstStyle/>
           <a:p>
             <a:r>
-              <a:rPr lang="sr-Latn-RS" dirty="0" smtClean="0"/>
+              <a:rPr lang="sr-Latn-RS" dirty="0"/>
               <a:t>TwitterSplitter</a:t>
             </a:r>
-            <a:endParaRPr lang="sr-Latn-RS" dirty="0"/>
           </a:p>
         </p:txBody>
       </p:sp>
@@ -4674,37 +4572,28 @@
           <a:lstStyle/>
           <a:p>
             <a:r>
-              <a:rPr lang="sr-Latn-RS" dirty="0" smtClean="0"/>
-              <a:t>Marko </a:t>
-            </a:r>
-            <a:r>
-              <a:rPr lang="sr-Latn-RS" dirty="0" smtClean="0"/>
-              <a:t>Radosavljević 1013</a:t>
-            </a:r>
-            <a:r>
-              <a:rPr lang="en-US" dirty="0" smtClean="0"/>
+              <a:rPr lang="sr-Latn-RS" dirty="0"/>
+              <a:t>Marko Radosavljević 1013</a:t>
+            </a:r>
+            <a:r>
+              <a:rPr lang="en-US" dirty="0"/>
               <a:t>/2017</a:t>
             </a:r>
             <a:r>
-              <a:rPr lang="sr-Latn-RS" dirty="0" smtClean="0"/>
+              <a:rPr lang="sr-Latn-RS" dirty="0"/>
               <a:t> </a:t>
             </a:r>
-            <a:endParaRPr lang="sr-Latn-RS" dirty="0" smtClean="0"/>
-          </a:p>
-          <a:p>
-            <a:r>
-              <a:rPr lang="sr-Latn-RS" dirty="0" smtClean="0"/>
-              <a:t>Katarina </a:t>
-            </a:r>
-            <a:r>
-              <a:rPr lang="sr-Latn-RS" dirty="0" smtClean="0"/>
-              <a:t>Svorcan</a:t>
-            </a:r>
-            <a:r>
-              <a:rPr lang="en-US" dirty="0" smtClean="0"/>
+          </a:p>
+          <a:p>
+            <a:r>
+              <a:rPr lang="sr-Latn-RS" dirty="0"/>
+              <a:t>Katarina Svorcan</a:t>
+            </a:r>
+            <a:r>
+              <a:rPr lang="en-US" dirty="0"/>
               <a:t> 1009/2017</a:t>
             </a:r>
-            <a:endParaRPr lang="sr-Latn-RS" dirty="0" smtClean="0"/>
+            <a:endParaRPr lang="sr-Latn-RS" dirty="0"/>
           </a:p>
         </p:txBody>
       </p:sp>
@@ -4718,13 +4607,6 @@
   <p:clrMapOvr>
     <a:masterClrMapping/>
   </p:clrMapOvr>
-  <p:timing>
-    <p:tnLst>
-      <p:par>
-        <p:cTn id="1" dur="indefinite" restart="never" nodeType="tmRoot"/>
-      </p:par>
-    </p:tnLst>
-  </p:timing>
 </p:sld>
 </file>
 
@@ -4761,17 +4643,27 @@
           <a:lstStyle/>
           <a:p>
             <a:r>
-              <a:rPr lang="sr-Latn-RS" dirty="0" smtClean="0"/>
+              <a:rPr lang="sr-Latn-RS" dirty="0"/>
               <a:t>Koristimo Word2Vec embeddinge kao ulaz mreže</a:t>
             </a:r>
+          </a:p>
+          <a:p>
+            <a:r>
+              <a:rPr lang="sr-Latn-RS" dirty="0"/>
+              <a:t>Dobijena tačnost 0.77</a:t>
+            </a:r>
+          </a:p>
+          <a:p>
+            <a:r>
+              <a:rPr lang="sr-Latn-RS" dirty="0"/>
+              <a:t>Arhitektura rekurentne neuronske mreže:</a:t>
+            </a:r>
+          </a:p>
+          <a:p>
+            <a:pPr marL="109728" indent="0">
+              <a:buNone/>
+            </a:pPr>
             <a:endParaRPr lang="sr-Latn-RS" dirty="0"/>
-          </a:p>
-          <a:p>
-            <a:r>
-              <a:rPr lang="sr-Latn-RS" dirty="0" smtClean="0"/>
-              <a:t>Arhitektura rekurentne neuronske mreže:</a:t>
-            </a:r>
-            <a:endParaRPr lang="sr-Latn-RS" dirty="0" smtClean="0"/>
           </a:p>
           <a:p>
             <a:endParaRPr lang="sr-Latn-RS" dirty="0"/>
@@ -4799,14 +4691,9 @@
           <a:lstStyle/>
           <a:p>
             <a:r>
-              <a:rPr lang="sr-Latn-RS" sz="3600" dirty="0" smtClean="0"/>
-              <a:t>R</a:t>
-            </a:r>
-            <a:r>
-              <a:rPr lang="sr-Latn-RS" sz="3600" dirty="0" smtClean="0"/>
-              <a:t>ekurentna neuronska mreža</a:t>
-            </a:r>
-            <a:endParaRPr lang="sr-Latn-RS" sz="3600" dirty="0"/>
+              <a:rPr lang="sr-Latn-RS" sz="3600" dirty="0"/>
+              <a:t>Rekurentna neuronska mreža</a:t>
+            </a:r>
           </a:p>
         </p:txBody>
       </p:sp>
@@ -4832,7 +4719,7 @@
         </p:blipFill>
         <p:spPr>
           <a:xfrm>
-            <a:off x="685800" y="2971800"/>
+            <a:off x="990600" y="3427719"/>
             <a:ext cx="5953956" cy="2495899"/>
           </a:xfrm>
           <a:prstGeom prst="rect">
@@ -4850,13 +4737,6 @@
   <p:clrMapOvr>
     <a:masterClrMapping/>
   </p:clrMapOvr>
-  <p:timing>
-    <p:tnLst>
-      <p:par>
-        <p:cTn id="1" dur="indefinite" restart="never" nodeType="tmRoot"/>
-      </p:par>
-    </p:tnLst>
-  </p:timing>
 </p:sld>
 </file>
 
@@ -4897,24 +4777,19 @@
             <a:pPr marL="109728" indent="0">
               <a:buNone/>
             </a:pPr>
-            <a:endParaRPr lang="sr-Latn-RS" dirty="0" smtClean="0"/>
-          </a:p>
-          <a:p>
-            <a:r>
-              <a:rPr lang="sr-Latn-RS" dirty="0" smtClean="0"/>
+            <a:endParaRPr lang="sr-Latn-RS" dirty="0"/>
+          </a:p>
+          <a:p>
+            <a:r>
+              <a:rPr lang="sr-Latn-RS" dirty="0"/>
               <a:t>Poboljšati kvalitet podataka:</a:t>
             </a:r>
-            <a:endParaRPr lang="sr-Latn-RS" dirty="0"/>
           </a:p>
           <a:p>
             <a:pPr lvl="1"/>
             <a:r>
-              <a:rPr lang="sr-Latn-RS" dirty="0" smtClean="0"/>
-              <a:t>Word2Vec </a:t>
-            </a:r>
-            <a:r>
               <a:rPr lang="sr-Latn-RS" dirty="0"/>
-              <a:t>treniran na većem korpusu koji bi bio objektivniji</a:t>
+              <a:t>Word2Vec treniran na većem korpusu koji bi bio objektivniji</a:t>
             </a:r>
           </a:p>
           <a:p>
@@ -4928,26 +4803,25 @@
             <a:pPr marL="109728" indent="0">
               <a:buNone/>
             </a:pPr>
-            <a:endParaRPr lang="sr-Latn-RS" dirty="0" smtClean="0"/>
-          </a:p>
-          <a:p>
-            <a:r>
-              <a:rPr lang="sr-Latn-RS" dirty="0" smtClean="0"/>
+            <a:endParaRPr lang="sr-Latn-RS" dirty="0"/>
+          </a:p>
+          <a:p>
+            <a:r>
+              <a:rPr lang="sr-Latn-RS" dirty="0"/>
               <a:t>Iskoristiti informacije iz tvita osim sirovog teksta</a:t>
             </a:r>
           </a:p>
           <a:p>
-            <a:endParaRPr lang="sr-Latn-RS" dirty="0" smtClean="0"/>
-          </a:p>
-          <a:p>
-            <a:r>
-              <a:rPr lang="sr-Latn-RS" dirty="0" smtClean="0"/>
+            <a:endParaRPr lang="sr-Latn-RS" dirty="0"/>
+          </a:p>
+          <a:p>
+            <a:r>
+              <a:rPr lang="sr-Latn-RS" dirty="0"/>
               <a:t>Aplikacija koja bi izbacivala tvitove istomišljenika (tvitove iz pripadajuće klase)</a:t>
             </a:r>
-            <a:endParaRPr lang="sr-Latn-RS" dirty="0" smtClean="0"/>
-          </a:p>
-          <a:p>
-            <a:endParaRPr lang="sr-Latn-RS" dirty="0" smtClean="0"/>
+          </a:p>
+          <a:p>
+            <a:endParaRPr lang="sr-Latn-RS" dirty="0"/>
           </a:p>
         </p:txBody>
       </p:sp>
@@ -4969,10 +4843,9 @@
           <a:lstStyle/>
           <a:p>
             <a:r>
-              <a:rPr lang="sr-Latn-RS" sz="3600" dirty="0" smtClean="0"/>
+              <a:rPr lang="sr-Latn-RS" sz="3600" dirty="0"/>
               <a:t>Sledeći koraci</a:t>
             </a:r>
-            <a:endParaRPr lang="sr-Latn-RS" sz="3600" dirty="0"/>
           </a:p>
         </p:txBody>
       </p:sp>
@@ -4986,13 +4859,6 @@
   <p:clrMapOvr>
     <a:masterClrMapping/>
   </p:clrMapOvr>
-  <p:timing>
-    <p:tnLst>
-      <p:par>
-        <p:cTn id="1" dur="indefinite" restart="never" nodeType="tmRoot"/>
-      </p:par>
-    </p:tnLst>
-  </p:timing>
 </p:sld>
 </file>
 
@@ -5037,15 +4903,15 @@
           <a:p>
             <a:pPr algn="ctr"/>
             <a:r>
-              <a:rPr lang="sr-Latn-RS" dirty="0" smtClean="0"/>
+              <a:rPr lang="sr-Latn-RS" dirty="0"/>
               <a:t>HVALA</a:t>
             </a:r>
             <a:r>
-              <a:rPr lang="en-US" dirty="0" smtClean="0"/>
+              <a:rPr lang="en-US" dirty="0"/>
               <a:t>! </a:t>
             </a:r>
             <a:r>
-              <a:rPr lang="en-US" dirty="0" smtClean="0">
+              <a:rPr lang="en-US" dirty="0">
                 <a:sym typeface="Wingdings" panose="05000000000000000000" pitchFamily="2" charset="2"/>
               </a:rPr>
               <a:t></a:t>
@@ -5064,13 +4930,6 @@
   <p:clrMapOvr>
     <a:masterClrMapping/>
   </p:clrMapOvr>
-  <p:timing>
-    <p:tnLst>
-      <p:par>
-        <p:cTn id="1" dur="indefinite" restart="never" nodeType="tmRoot"/>
-      </p:par>
-    </p:tnLst>
-  </p:timing>
 </p:sld>
 </file>
 
@@ -5107,39 +4966,39 @@
           <a:lstStyle/>
           <a:p>
             <a:r>
-              <a:rPr lang="sr-Latn-RS" dirty="0" smtClean="0"/>
+              <a:rPr lang="sr-Latn-RS" dirty="0"/>
               <a:t>Cilj projekta je klasifikacija politički tematizovanih tvitova na za i protiv vlasti.</a:t>
             </a:r>
           </a:p>
           <a:p>
-            <a:endParaRPr lang="sr-Latn-RS" dirty="0" smtClean="0"/>
-          </a:p>
-          <a:p>
-            <a:r>
-              <a:rPr lang="sr-Latn-RS" dirty="0" smtClean="0"/>
+            <a:endParaRPr lang="sr-Latn-RS" dirty="0"/>
+          </a:p>
+          <a:p>
+            <a:r>
+              <a:rPr lang="sr-Latn-RS" dirty="0"/>
               <a:t>Tvitovi su podeljeni u dve kategorije:</a:t>
             </a:r>
           </a:p>
           <a:p>
             <a:pPr lvl="1"/>
             <a:r>
-              <a:rPr lang="sr-Latn-RS" dirty="0" smtClean="0"/>
+              <a:rPr lang="sr-Latn-RS" dirty="0"/>
               <a:t>1- za vlast</a:t>
             </a:r>
             <a:r>
-              <a:rPr lang="en-US" dirty="0" smtClean="0"/>
+              <a:rPr lang="en-US" dirty="0"/>
               <a:t>/</a:t>
             </a:r>
             <a:r>
-              <a:rPr lang="en-US" dirty="0" err="1" smtClean="0"/>
+              <a:rPr lang="en-US" dirty="0" err="1"/>
               <a:t>protiv</a:t>
             </a:r>
             <a:r>
-              <a:rPr lang="en-US" dirty="0" smtClean="0"/>
+              <a:rPr lang="en-US" dirty="0"/>
               <a:t> </a:t>
             </a:r>
             <a:r>
-              <a:rPr lang="en-US" dirty="0" err="1" smtClean="0"/>
+              <a:rPr lang="en-US" dirty="0" err="1"/>
               <a:t>opozicije</a:t>
             </a:r>
             <a:endParaRPr lang="sr-Latn-RS" dirty="0"/>
@@ -5147,133 +5006,133 @@
           <a:p>
             <a:pPr lvl="1"/>
             <a:r>
-              <a:rPr lang="en-US" dirty="0" smtClean="0"/>
+              <a:rPr lang="en-US" dirty="0"/>
               <a:t>0 – </a:t>
             </a:r>
             <a:r>
-              <a:rPr lang="en-US" dirty="0" err="1" smtClean="0"/>
+              <a:rPr lang="en-US" dirty="0" err="1"/>
               <a:t>protiv</a:t>
             </a:r>
             <a:r>
-              <a:rPr lang="en-US" dirty="0" smtClean="0"/>
+              <a:rPr lang="en-US" dirty="0"/>
               <a:t> </a:t>
             </a:r>
             <a:r>
-              <a:rPr lang="en-US" dirty="0" err="1" smtClean="0"/>
+              <a:rPr lang="en-US" dirty="0" err="1"/>
               <a:t>vlasti</a:t>
             </a:r>
             <a:r>
-              <a:rPr lang="en-US" dirty="0" smtClean="0"/>
+              <a:rPr lang="en-US" dirty="0"/>
               <a:t>/</a:t>
             </a:r>
             <a:r>
-              <a:rPr lang="en-US" dirty="0" err="1" smtClean="0"/>
+              <a:rPr lang="en-US" dirty="0" err="1"/>
               <a:t>za</a:t>
             </a:r>
             <a:r>
-              <a:rPr lang="en-US" dirty="0" smtClean="0"/>
+              <a:rPr lang="en-US" dirty="0"/>
               <a:t> </a:t>
             </a:r>
             <a:r>
-              <a:rPr lang="en-US" dirty="0" err="1" smtClean="0"/>
+              <a:rPr lang="en-US" dirty="0" err="1"/>
               <a:t>opoziciju</a:t>
             </a:r>
-            <a:endParaRPr lang="sr-Latn-RS" dirty="0" smtClean="0"/>
+            <a:endParaRPr lang="sr-Latn-RS" dirty="0"/>
           </a:p>
           <a:p>
             <a:pPr lvl="1"/>
-            <a:endParaRPr lang="en-US" dirty="0" smtClean="0"/>
-          </a:p>
-          <a:p>
-            <a:r>
-              <a:rPr lang="en-US" dirty="0" err="1" smtClean="0"/>
+            <a:endParaRPr lang="en-US" dirty="0"/>
+          </a:p>
+          <a:p>
+            <a:r>
+              <a:rPr lang="en-US" dirty="0" err="1"/>
               <a:t>Motivacija</a:t>
             </a:r>
             <a:r>
-              <a:rPr lang="sr-Latn-RS" dirty="0" smtClean="0"/>
+              <a:rPr lang="sr-Latn-RS" dirty="0"/>
               <a:t>:</a:t>
             </a:r>
             <a:r>
-              <a:rPr lang="en-US" dirty="0" smtClean="0"/>
+              <a:rPr lang="en-US" dirty="0"/>
               <a:t> </a:t>
             </a:r>
             <a:r>
-              <a:rPr lang="en-US" dirty="0" err="1" smtClean="0"/>
+              <a:rPr lang="en-US" dirty="0" err="1"/>
               <a:t>pokazati</a:t>
             </a:r>
             <a:r>
-              <a:rPr lang="en-US" dirty="0" smtClean="0"/>
+              <a:rPr lang="en-US" dirty="0"/>
               <a:t> </a:t>
             </a:r>
             <a:r>
-              <a:rPr lang="en-US" dirty="0" err="1" smtClean="0"/>
+              <a:rPr lang="en-US" dirty="0" err="1"/>
               <a:t>uniformnost</a:t>
             </a:r>
             <a:r>
-              <a:rPr lang="en-US" dirty="0" smtClean="0"/>
+              <a:rPr lang="en-US" dirty="0"/>
               <a:t> </a:t>
             </a:r>
             <a:r>
-              <a:rPr lang="en-US" dirty="0" err="1" smtClean="0"/>
+              <a:rPr lang="en-US" dirty="0" err="1"/>
               <a:t>tvitova</a:t>
             </a:r>
             <a:r>
-              <a:rPr lang="en-US" dirty="0" smtClean="0"/>
+              <a:rPr lang="en-US" dirty="0"/>
               <a:t> </a:t>
             </a:r>
             <a:r>
-              <a:rPr lang="sr-Latn-RS" dirty="0" smtClean="0"/>
+              <a:rPr lang="sr-Latn-RS" dirty="0"/>
               <a:t>političke scene bez obzira na opredeljenost</a:t>
             </a:r>
             <a:r>
-              <a:rPr lang="en-US" dirty="0" smtClean="0"/>
+              <a:rPr lang="en-US" dirty="0"/>
               <a:t> </a:t>
             </a:r>
             <a:r>
-              <a:rPr lang="en-US" dirty="0" err="1" smtClean="0"/>
+              <a:rPr lang="en-US" dirty="0" err="1"/>
               <a:t>i</a:t>
             </a:r>
             <a:r>
-              <a:rPr lang="en-US" dirty="0" smtClean="0"/>
+              <a:rPr lang="en-US" dirty="0"/>
               <a:t> </a:t>
             </a:r>
             <a:r>
-              <a:rPr lang="sr-Latn-RS" dirty="0" smtClean="0"/>
+              <a:rPr lang="sr-Latn-RS" dirty="0"/>
               <a:t>lako </a:t>
             </a:r>
             <a:r>
-              <a:rPr lang="en-US" dirty="0" err="1" smtClean="0"/>
+              <a:rPr lang="en-US" dirty="0" err="1"/>
               <a:t>razlik</a:t>
             </a:r>
             <a:r>
-              <a:rPr lang="sr-Latn-RS" dirty="0" smtClean="0"/>
+              <a:rPr lang="sr-Latn-RS" dirty="0"/>
               <a:t>ovanje</a:t>
             </a:r>
             <a:r>
-              <a:rPr lang="en-US" dirty="0" smtClean="0"/>
+              <a:rPr lang="en-US" dirty="0"/>
               <a:t> </a:t>
             </a:r>
             <a:r>
-              <a:rPr lang="en-US" dirty="0" err="1" smtClean="0"/>
+              <a:rPr lang="en-US" dirty="0" err="1"/>
               <a:t>na</a:t>
             </a:r>
             <a:r>
-              <a:rPr lang="en-US" dirty="0" smtClean="0"/>
+              <a:rPr lang="en-US" dirty="0"/>
               <a:t> </a:t>
             </a:r>
             <a:r>
-              <a:rPr lang="en-US" dirty="0" err="1" smtClean="0"/>
+              <a:rPr lang="en-US" dirty="0" err="1"/>
               <a:t>osnovu</a:t>
             </a:r>
             <a:r>
-              <a:rPr lang="en-US" dirty="0" smtClean="0"/>
+              <a:rPr lang="en-US" dirty="0"/>
               <a:t> </a:t>
             </a:r>
             <a:r>
-              <a:rPr lang="en-US" dirty="0" err="1" smtClean="0"/>
+              <a:rPr lang="en-US" dirty="0" err="1"/>
               <a:t>sintakse</a:t>
             </a:r>
-            <a:endParaRPr lang="en-US" dirty="0" smtClean="0"/>
+            <a:endParaRPr lang="en-US" dirty="0"/>
           </a:p>
         </p:txBody>
       </p:sp>
@@ -5300,10 +5159,9 @@
           <a:lstStyle/>
           <a:p>
             <a:r>
-              <a:rPr lang="sr-Latn-RS" sz="3600" dirty="0" smtClean="0"/>
+              <a:rPr lang="sr-Latn-RS" sz="3600" dirty="0"/>
               <a:t>Ideja projekta</a:t>
             </a:r>
-            <a:endParaRPr lang="sr-Latn-RS" sz="3600" dirty="0"/>
           </a:p>
         </p:txBody>
       </p:sp>
@@ -5317,13 +5175,6 @@
   <p:clrMapOvr>
     <a:masterClrMapping/>
   </p:clrMapOvr>
-  <p:timing>
-    <p:tnLst>
-      <p:par>
-        <p:cTn id="1" dur="indefinite" restart="never" nodeType="tmRoot"/>
-      </p:par>
-    </p:tnLst>
-  </p:timing>
 </p:sld>
 </file>
 
@@ -5362,37 +5213,37 @@
           <a:lstStyle/>
           <a:p>
             <a:r>
-              <a:rPr lang="sr-Latn-RS" dirty="0" smtClean="0"/>
+              <a:rPr lang="sr-Latn-RS" dirty="0"/>
               <a:t>Live streaming </a:t>
             </a:r>
             <a:r>
-              <a:rPr lang="en-US" dirty="0" err="1" smtClean="0"/>
+              <a:rPr lang="en-US" dirty="0" err="1"/>
               <a:t>putem</a:t>
             </a:r>
             <a:r>
-              <a:rPr lang="en-US" dirty="0" smtClean="0"/>
+              <a:rPr lang="en-US" dirty="0"/>
               <a:t> </a:t>
             </a:r>
             <a:r>
-              <a:rPr lang="sr-Latn-RS" b="1" dirty="0" smtClean="0"/>
+              <a:rPr lang="sr-Latn-RS" b="1" dirty="0"/>
               <a:t>Twitter API-</a:t>
             </a:r>
             <a:r>
-              <a:rPr lang="en-US" dirty="0" smtClean="0"/>
+              <a:rPr lang="en-US" dirty="0"/>
               <a:t>ja </a:t>
             </a:r>
             <a:r>
-              <a:rPr lang="en-US" dirty="0" err="1" smtClean="0"/>
+              <a:rPr lang="en-US" dirty="0" err="1"/>
               <a:t>koriste</a:t>
             </a:r>
             <a:r>
-              <a:rPr lang="sr-Latn-RS" dirty="0" smtClean="0"/>
+              <a:rPr lang="sr-Latn-RS" dirty="0"/>
               <a:t>ći ključne reči po izboru (u zavisnosti od aktuelnosti)</a:t>
             </a:r>
           </a:p>
           <a:p>
             <a:r>
-              <a:rPr lang="sr-Latn-RS" dirty="0" smtClean="0"/>
+              <a:rPr lang="sr-Latn-RS" dirty="0"/>
               <a:t>Podaci u obliku dictionary:</a:t>
             </a:r>
           </a:p>
@@ -5400,13 +5251,13 @@
             <a:endParaRPr lang="sr-Latn-RS" dirty="0"/>
           </a:p>
           <a:p>
-            <a:endParaRPr lang="sr-Latn-RS" dirty="0" smtClean="0"/>
-          </a:p>
-          <a:p>
             <a:endParaRPr lang="sr-Latn-RS" dirty="0"/>
           </a:p>
           <a:p>
-            <a:endParaRPr lang="sr-Latn-RS" dirty="0" smtClean="0"/>
+            <a:endParaRPr lang="sr-Latn-RS" dirty="0"/>
+          </a:p>
+          <a:p>
+            <a:endParaRPr lang="sr-Latn-RS" dirty="0"/>
           </a:p>
           <a:p>
             <a:endParaRPr lang="sr-Latn-RS" dirty="0"/>
@@ -5415,30 +5266,26 @@
             <a:pPr marL="109728" indent="0">
               <a:buNone/>
             </a:pPr>
-            <a:endParaRPr lang="sr-Latn-RS" dirty="0" smtClean="0"/>
-          </a:p>
-          <a:p>
-            <a:r>
-              <a:rPr lang="sr-Latn-RS" dirty="0" smtClean="0"/>
-              <a:t>Koristimo samo </a:t>
-            </a:r>
-            <a:r>
-              <a:rPr lang="sr-Latn-RS" dirty="0" smtClean="0"/>
-              <a:t>sirov text</a:t>
-            </a:r>
-            <a:r>
-              <a:rPr lang="en-US" dirty="0" smtClean="0"/>
+            <a:endParaRPr lang="sr-Latn-RS" dirty="0"/>
+          </a:p>
+          <a:p>
+            <a:r>
+              <a:rPr lang="sr-Latn-RS" dirty="0"/>
+              <a:t>Koristimo samo sirov text</a:t>
+            </a:r>
+            <a:r>
+              <a:rPr lang="en-US" dirty="0"/>
               <a:t> u </a:t>
             </a:r>
             <a:r>
-              <a:rPr lang="en-US" dirty="0" err="1" smtClean="0"/>
+              <a:rPr lang="en-US" dirty="0" err="1"/>
               <a:t>predikciji</a:t>
             </a:r>
-            <a:endParaRPr lang="sr-Latn-RS" dirty="0" smtClean="0"/>
-          </a:p>
-          <a:p>
-            <a:r>
-              <a:rPr lang="sr-Latn-RS" dirty="0" smtClean="0"/>
+            <a:endParaRPr lang="sr-Latn-RS" dirty="0"/>
+          </a:p>
+          <a:p>
+            <a:r>
+              <a:rPr lang="sr-Latn-RS" dirty="0"/>
               <a:t>Izazov: Pristrasno formiranje skupa podataka</a:t>
             </a:r>
           </a:p>
@@ -5473,10 +5320,9 @@
           <a:lstStyle/>
           <a:p>
             <a:r>
-              <a:rPr lang="sr-Latn-RS" sz="3600" dirty="0" smtClean="0"/>
+              <a:rPr lang="sr-Latn-RS" sz="3600" dirty="0"/>
               <a:t>Prikupljanje podataka</a:t>
             </a:r>
-            <a:endParaRPr lang="sr-Latn-RS" sz="3600" dirty="0"/>
           </a:p>
         </p:txBody>
       </p:sp>
@@ -5520,13 +5366,6 @@
   <p:clrMapOvr>
     <a:masterClrMapping/>
   </p:clrMapOvr>
-  <p:timing>
-    <p:tnLst>
-      <p:par>
-        <p:cTn id="1" dur="indefinite" restart="never" nodeType="tmRoot"/>
-      </p:par>
-    </p:tnLst>
-  </p:timing>
 </p:sld>
 </file>
 
@@ -5563,71 +5402,62 @@
           <a:lstStyle/>
           <a:p>
             <a:r>
-              <a:rPr lang="sr-Latn-RS" dirty="0" smtClean="0"/>
+              <a:rPr lang="sr-Latn-RS" dirty="0"/>
               <a:t>Labelisanje ručno </a:t>
             </a:r>
             <a:r>
-              <a:rPr lang="sr-Latn-RS" dirty="0" smtClean="0">
+              <a:rPr lang="sr-Latn-RS" dirty="0">
                 <a:sym typeface="Wingdings" panose="05000000000000000000" pitchFamily="2" charset="2"/>
               </a:rPr>
               <a:t></a:t>
             </a:r>
             <a:r>
-              <a:rPr lang="sr-Latn-RS" dirty="0" smtClean="0"/>
+              <a:rPr lang="sr-Latn-RS" dirty="0"/>
               <a:t> </a:t>
             </a:r>
           </a:p>
           <a:p>
             <a:r>
-              <a:rPr lang="sr-Latn-RS" dirty="0" smtClean="0"/>
-              <a:t>Od 10000 tvitova, </a:t>
-            </a:r>
-            <a:r>
-              <a:rPr lang="sr-Latn-RS" dirty="0" smtClean="0"/>
-              <a:t>3500 </a:t>
-            </a:r>
-            <a:r>
-              <a:rPr lang="sr-Latn-RS" dirty="0" smtClean="0"/>
-              <a:t>u proseku jedinstveno</a:t>
-            </a:r>
-          </a:p>
-          <a:p>
-            <a:r>
-              <a:rPr lang="sr-Latn-RS" dirty="0" smtClean="0"/>
+              <a:rPr lang="sr-Latn-RS" dirty="0"/>
+              <a:t>Od 10000 tvitova, 3500 u proseku jedinstveno</a:t>
+            </a:r>
+          </a:p>
+          <a:p>
+            <a:r>
+              <a:rPr lang="sr-Latn-RS" dirty="0"/>
               <a:t>10% upotrebljivo sa adekvatnom semantikom</a:t>
             </a:r>
           </a:p>
           <a:p>
             <a:r>
-              <a:rPr lang="sr-Latn-RS" dirty="0" smtClean="0"/>
+              <a:rPr lang="sr-Latn-RS" dirty="0"/>
               <a:t>Sa kasnijim boljim izborom reči, procenat je veći, ali i posla ima više</a:t>
             </a:r>
           </a:p>
           <a:p>
-            <a:endParaRPr lang="sr-Latn-RS" dirty="0" smtClean="0"/>
-          </a:p>
-          <a:p>
-            <a:r>
-              <a:rPr lang="sr-Latn-RS" dirty="0" smtClean="0"/>
+            <a:endParaRPr lang="sr-Latn-RS" dirty="0"/>
+          </a:p>
+          <a:p>
+            <a:r>
+              <a:rPr lang="sr-Latn-RS" dirty="0"/>
               <a:t>Poseban pristup bilo bi nenadgledano</a:t>
             </a:r>
             <a:r>
-              <a:rPr lang="en-US" dirty="0" smtClean="0"/>
+              <a:rPr lang="en-US" dirty="0"/>
               <a:t> (</a:t>
             </a:r>
             <a:r>
-              <a:rPr lang="en-US" dirty="0" err="1" smtClean="0"/>
+              <a:rPr lang="en-US" dirty="0" err="1"/>
               <a:t>polunadgledano</a:t>
             </a:r>
             <a:r>
-              <a:rPr lang="en-US" dirty="0" smtClean="0"/>
+              <a:rPr lang="en-US" dirty="0"/>
               <a:t>)</a:t>
             </a:r>
             <a:r>
-              <a:rPr lang="sr-Latn-RS" dirty="0" smtClean="0"/>
+              <a:rPr lang="sr-Latn-RS" dirty="0"/>
               <a:t> mašinsko učenje</a:t>
             </a:r>
-            <a:endParaRPr lang="sr-Latn-RS" dirty="0"/>
           </a:p>
         </p:txBody>
       </p:sp>
@@ -5654,10 +5484,9 @@
           <a:lstStyle/>
           <a:p>
             <a:r>
-              <a:rPr lang="sr-Latn-RS" sz="3600" dirty="0" smtClean="0"/>
+              <a:rPr lang="sr-Latn-RS" sz="3600" dirty="0"/>
               <a:t>Labelisanje podataka</a:t>
             </a:r>
-            <a:endParaRPr lang="sr-Latn-RS" sz="3600" dirty="0"/>
           </a:p>
         </p:txBody>
       </p:sp>
@@ -5671,13 +5500,6 @@
   <p:clrMapOvr>
     <a:masterClrMapping/>
   </p:clrMapOvr>
-  <p:timing>
-    <p:tnLst>
-      <p:par>
-        <p:cTn id="1" dur="indefinite" restart="never" nodeType="tmRoot"/>
-      </p:par>
-    </p:tnLst>
-  </p:timing>
 </p:sld>
 </file>
 
@@ -5714,74 +5536,31 @@
           <a:lstStyle/>
           <a:p>
             <a:r>
-              <a:rPr lang="sr-Latn-RS" dirty="0" smtClean="0"/>
-              <a:t>Eliminacija stranih tvitova pomoću uočenih slova koja ne pripadaju </a:t>
-            </a:r>
-            <a:r>
-              <a:rPr lang="sr-Latn-RS" dirty="0" smtClean="0"/>
-              <a:t>srpskom pismu</a:t>
-            </a:r>
-            <a:endParaRPr lang="sr-Latn-RS" dirty="0" smtClean="0"/>
-          </a:p>
-          <a:p>
-            <a:r>
-              <a:rPr lang="sr-Latn-RS" dirty="0" smtClean="0"/>
-              <a:t>Eliminacija </a:t>
-            </a:r>
-            <a:r>
-              <a:rPr lang="sr-Latn-RS" dirty="0" smtClean="0"/>
-              <a:t>linkova, </a:t>
-            </a:r>
-            <a:r>
-              <a:rPr lang="sr-Latn-RS" dirty="0" smtClean="0"/>
-              <a:t>RT oznaka, </a:t>
-            </a:r>
-            <a:r>
-              <a:rPr lang="sr-Latn-RS" dirty="0" smtClean="0"/>
-              <a:t>user </a:t>
-            </a:r>
-            <a:r>
-              <a:rPr lang="sr-Latn-RS" dirty="0" smtClean="0"/>
-              <a:t>name-ova </a:t>
-            </a:r>
-            <a:r>
-              <a:rPr lang="sr-Latn-RS" dirty="0" smtClean="0"/>
-              <a:t>i </a:t>
-            </a:r>
-            <a:r>
-              <a:rPr lang="sr-Latn-RS" dirty="0" smtClean="0"/>
-              <a:t>hashtag-ova</a:t>
-            </a:r>
-            <a:endParaRPr lang="sr-Latn-RS" dirty="0" smtClean="0"/>
-          </a:p>
-          <a:p>
-            <a:r>
-              <a:rPr lang="sr-Latn-RS" dirty="0" smtClean="0"/>
+              <a:rPr lang="sr-Latn-RS" dirty="0"/>
+              <a:t>Eliminacija stranih tvitova pomoću uočenih slova koja ne pripadaju srpskom pismu</a:t>
+            </a:r>
+          </a:p>
+          <a:p>
+            <a:r>
+              <a:rPr lang="sr-Latn-RS" dirty="0"/>
+              <a:t>Eliminacija linkova, RT oznaka, user name-ova i hashtag-ova</a:t>
+            </a:r>
+          </a:p>
+          <a:p>
+            <a:r>
+              <a:rPr lang="sr-Latn-RS" dirty="0"/>
               <a:t>Razdvajanje reči od interpunkcijskih znakova</a:t>
             </a:r>
           </a:p>
           <a:p>
             <a:r>
               <a:rPr lang="sr-Latn-RS" dirty="0"/>
-              <a:t>Ć</a:t>
-            </a:r>
-            <a:r>
-              <a:rPr lang="sr-Latn-RS" dirty="0" smtClean="0"/>
-              <a:t>irilica </a:t>
-            </a:r>
-            <a:r>
-              <a:rPr lang="sr-Latn-RS" dirty="0" smtClean="0"/>
-              <a:t>-&gt; </a:t>
-            </a:r>
-            <a:r>
-              <a:rPr lang="sr-Latn-RS" dirty="0" smtClean="0"/>
-              <a:t>Latinica</a:t>
-            </a:r>
-            <a:endParaRPr lang="sr-Latn-RS" dirty="0" smtClean="0"/>
-          </a:p>
-          <a:p>
-            <a:r>
-              <a:rPr lang="sr-Latn-RS" dirty="0" smtClean="0"/>
+              <a:t>Ćirilica -&gt; Latinica</a:t>
+            </a:r>
+          </a:p>
+          <a:p>
+            <a:r>
+              <a:rPr lang="sr-Latn-RS" dirty="0"/>
               <a:t>Sve lower case</a:t>
             </a:r>
           </a:p>
@@ -5813,10 +5592,9 @@
           <a:lstStyle/>
           <a:p>
             <a:r>
-              <a:rPr lang="sr-Latn-RS" sz="3600" dirty="0" smtClean="0"/>
+              <a:rPr lang="sr-Latn-RS" sz="3600" dirty="0"/>
               <a:t>Pripremanje podataka</a:t>
             </a:r>
-            <a:endParaRPr lang="sr-Latn-RS" sz="3600" dirty="0"/>
           </a:p>
         </p:txBody>
       </p:sp>
@@ -5830,13 +5608,6 @@
   <p:clrMapOvr>
     <a:masterClrMapping/>
   </p:clrMapOvr>
-  <p:timing>
-    <p:tnLst>
-      <p:par>
-        <p:cTn id="1" dur="indefinite" restart="never" nodeType="tmRoot"/>
-      </p:par>
-    </p:tnLst>
-  </p:timing>
 </p:sld>
 </file>
 
@@ -5873,72 +5644,59 @@
           <a:lstStyle/>
           <a:p>
             <a:r>
-              <a:rPr lang="sr-Latn-RS" dirty="0" smtClean="0"/>
-              <a:t>Korpus od 124022 </a:t>
-            </a:r>
-            <a:r>
-              <a:rPr lang="sr-Latn-RS" dirty="0" smtClean="0"/>
-              <a:t>tvitova</a:t>
-            </a:r>
-          </a:p>
-          <a:p>
-            <a:endParaRPr lang="sr-Latn-RS" dirty="0" smtClean="0"/>
-          </a:p>
-          <a:p>
-            <a:r>
-              <a:rPr lang="sr-Latn-RS" dirty="0" smtClean="0"/>
+              <a:rPr lang="sr-Latn-RS" dirty="0"/>
+              <a:t>Korpus od 124022 tvitova</a:t>
+            </a:r>
+          </a:p>
+          <a:p>
+            <a:endParaRPr lang="sr-Latn-RS" dirty="0"/>
+          </a:p>
+          <a:p>
+            <a:r>
+              <a:rPr lang="sr-Latn-RS" dirty="0"/>
               <a:t>Dva pristupa: </a:t>
             </a:r>
             <a:r>
-              <a:rPr lang="sr-Latn-RS" b="1" dirty="0" smtClean="0"/>
+              <a:rPr lang="sr-Latn-RS" b="1" dirty="0"/>
               <a:t>CBOW</a:t>
             </a:r>
             <a:r>
-              <a:rPr lang="sr-Latn-RS" dirty="0" smtClean="0"/>
+              <a:rPr lang="sr-Latn-RS" dirty="0"/>
               <a:t> i </a:t>
             </a:r>
             <a:r>
-              <a:rPr lang="sr-Latn-RS" b="1" dirty="0" smtClean="0"/>
+              <a:rPr lang="sr-Latn-RS" b="1" dirty="0"/>
               <a:t>skipgram</a:t>
             </a:r>
           </a:p>
           <a:p>
-            <a:endParaRPr lang="sr-Latn-RS" b="1" dirty="0" smtClean="0"/>
-          </a:p>
-          <a:p>
-            <a:r>
-              <a:rPr lang="sr-Latn-RS" dirty="0" smtClean="0"/>
+            <a:endParaRPr lang="sr-Latn-RS" b="1" dirty="0"/>
+          </a:p>
+          <a:p>
+            <a:r>
+              <a:rPr lang="sr-Latn-RS" dirty="0"/>
               <a:t>Continuous bag of words </a:t>
             </a:r>
             <a:r>
-              <a:rPr lang="vi-VN" dirty="0" smtClean="0"/>
-              <a:t>model </a:t>
-            </a:r>
-            <a:r>
               <a:rPr lang="vi-VN" dirty="0"/>
-              <a:t>predviđa trenutnu reč na osnovu okolnih </a:t>
-            </a:r>
-            <a:r>
-              <a:rPr lang="vi-VN" dirty="0" smtClean="0"/>
-              <a:t>reči</a:t>
+              <a:t>model predviđa trenutnu reč na osnovu okolnih reči</a:t>
             </a:r>
             <a:endParaRPr lang="sr-Latn-RS" dirty="0"/>
           </a:p>
           <a:p>
             <a:r>
-              <a:rPr lang="sr-Latn-RS" dirty="0" smtClean="0"/>
+              <a:rPr lang="sr-Latn-RS" dirty="0"/>
               <a:t>Skipgram model predviđa okolne reči na osnovu trenutne</a:t>
             </a:r>
-            <a:endParaRPr lang="sr-Latn-RS" dirty="0"/>
           </a:p>
           <a:p>
             <a:pPr marL="109728" indent="0">
               <a:buNone/>
             </a:pPr>
-            <a:endParaRPr lang="sr-Latn-RS" dirty="0" smtClean="0"/>
-          </a:p>
-          <a:p>
-            <a:endParaRPr lang="sr-Latn-RS" dirty="0" smtClean="0"/>
+            <a:endParaRPr lang="sr-Latn-RS" dirty="0"/>
+          </a:p>
+          <a:p>
+            <a:endParaRPr lang="sr-Latn-RS" dirty="0"/>
           </a:p>
           <a:p>
             <a:endParaRPr lang="sr-Latn-RS" dirty="0"/>
@@ -5963,10 +5721,9 @@
           <a:lstStyle/>
           <a:p>
             <a:r>
-              <a:rPr lang="sr-Latn-RS" sz="3600" dirty="0" smtClean="0"/>
+              <a:rPr lang="sr-Latn-RS" sz="3600" dirty="0"/>
               <a:t>Word2Vec</a:t>
             </a:r>
-            <a:endParaRPr lang="sr-Latn-RS" sz="3600" dirty="0"/>
           </a:p>
         </p:txBody>
       </p:sp>
@@ -5980,13 +5737,6 @@
   <p:clrMapOvr>
     <a:masterClrMapping/>
   </p:clrMapOvr>
-  <p:timing>
-    <p:tnLst>
-      <p:par>
-        <p:cTn id="1" dur="indefinite" restart="never" nodeType="tmRoot"/>
-      </p:par>
-    </p:tnLst>
-  </p:timing>
 </p:sld>
 </file>
 
@@ -6030,18 +5780,9 @@
           <a:lstStyle/>
           <a:p>
             <a:r>
-              <a:rPr lang="sr-Latn-RS" sz="3600" dirty="0" smtClean="0"/>
-              <a:t>Semanti</a:t>
-            </a:r>
-            <a:r>
-              <a:rPr lang="sr-Latn-RS" sz="3600" dirty="0" smtClean="0"/>
-              <a:t>čka</a:t>
-            </a:r>
-            <a:r>
-              <a:rPr lang="sr-Latn-RS" sz="3600" dirty="0" smtClean="0"/>
-              <a:t> analiza</a:t>
-            </a:r>
-            <a:endParaRPr lang="sr-Latn-RS" sz="3600" dirty="0"/>
+              <a:rPr lang="sr-Latn-RS" sz="3600" dirty="0"/>
+              <a:t>Semantička analiza</a:t>
+            </a:r>
           </a:p>
         </p:txBody>
       </p:sp>
@@ -6097,7 +5838,7 @@
               <a:buSzPct val="85000"/>
             </a:pPr>
             <a:r>
-              <a:rPr lang="sr-Latn-RS" sz="1600" b="1" kern="0" dirty="0" smtClean="0">
+              <a:rPr lang="sr-Latn-RS" sz="1600" b="1" kern="0" dirty="0">
                 <a:solidFill>
                   <a:schemeClr val="bg1"/>
                 </a:solidFill>
@@ -6105,7 +5846,7 @@
               </a:rPr>
               <a:t>Najsličnije reči</a:t>
             </a:r>
-            <a:endParaRPr lang="en-GB" sz="1600" b="1" kern="0" dirty="0" smtClean="0">
+            <a:endParaRPr lang="en-GB" sz="1600" b="1" kern="0" dirty="0">
               <a:solidFill>
                 <a:schemeClr val="bg1"/>
               </a:solidFill>
@@ -6158,28 +5899,13 @@
               <a:buNone/>
             </a:pPr>
             <a:r>
-              <a:rPr lang="sr-Latn-RS" dirty="0" smtClean="0">
-                <a:solidFill>
-                  <a:schemeClr val="tx1"/>
-                </a:solidFill>
-              </a:rPr>
-              <a:t>       Djilas                         </a:t>
-            </a:r>
-            <a:r>
               <a:rPr lang="sr-Latn-RS" dirty="0">
                 <a:solidFill>
                   <a:schemeClr val="tx1"/>
                 </a:solidFill>
               </a:rPr>
-              <a:t>Vucic</a:t>
-            </a:r>
-          </a:p>
-          <a:p>
-            <a:endParaRPr lang="sr-Latn-RS" dirty="0" smtClean="0">
-              <a:solidFill>
-                <a:schemeClr val="tx1"/>
-              </a:solidFill>
-            </a:endParaRPr>
+              <a:t>       Djilas                         Vucic</a:t>
+            </a:r>
           </a:p>
           <a:p>
             <a:endParaRPr lang="sr-Latn-RS" dirty="0">
@@ -6189,14 +5915,21 @@
             </a:endParaRPr>
           </a:p>
           <a:p>
-            <a:endParaRPr lang="sr-Latn-RS" dirty="0" smtClean="0">
+            <a:endParaRPr lang="sr-Latn-RS" dirty="0">
               <a:solidFill>
                 <a:schemeClr val="tx1"/>
               </a:solidFill>
             </a:endParaRPr>
           </a:p>
           <a:p>
-            <a:endParaRPr lang="sr-Latn-RS" dirty="0" smtClean="0">
+            <a:endParaRPr lang="sr-Latn-RS" dirty="0">
+              <a:solidFill>
+                <a:schemeClr val="tx1"/>
+              </a:solidFill>
+            </a:endParaRPr>
+          </a:p>
+          <a:p>
+            <a:endParaRPr lang="sr-Latn-RS" dirty="0">
               <a:solidFill>
                 <a:schemeClr val="tx1"/>
               </a:solidFill>
@@ -6320,13 +6053,6 @@
   <p:clrMapOvr>
     <a:masterClrMapping/>
   </p:clrMapOvr>
-  <p:timing>
-    <p:tnLst>
-      <p:par>
-        <p:cTn id="1" dur="indefinite" restart="never" nodeType="tmRoot"/>
-      </p:par>
-    </p:tnLst>
-  </p:timing>
 </p:sld>
 </file>
 
@@ -6370,18 +6096,9 @@
           <a:lstStyle/>
           <a:p>
             <a:r>
-              <a:rPr lang="sr-Latn-RS" sz="3600" dirty="0" smtClean="0"/>
-              <a:t>Semanti</a:t>
-            </a:r>
-            <a:r>
-              <a:rPr lang="sr-Latn-RS" sz="3600" dirty="0" smtClean="0"/>
-              <a:t>čka</a:t>
-            </a:r>
-            <a:r>
-              <a:rPr lang="sr-Latn-RS" sz="3600" dirty="0" smtClean="0"/>
-              <a:t> analiza</a:t>
-            </a:r>
-            <a:endParaRPr lang="sr-Latn-RS" sz="3600" dirty="0"/>
+              <a:rPr lang="sr-Latn-RS" sz="3600" dirty="0"/>
+              <a:t>Semantička analiza</a:t>
+            </a:r>
           </a:p>
         </p:txBody>
       </p:sp>
@@ -6437,7 +6154,7 @@
               <a:buSzPct val="85000"/>
             </a:pPr>
             <a:r>
-              <a:rPr lang="sr-Latn-RS" sz="1600" b="1" kern="0" dirty="0" smtClean="0">
+              <a:rPr lang="sr-Latn-RS" sz="1600" b="1" kern="0" dirty="0">
                 <a:solidFill>
                   <a:schemeClr val="bg1"/>
                 </a:solidFill>
@@ -6445,7 +6162,7 @@
               </a:rPr>
               <a:t>Predikcija naredne reči</a:t>
             </a:r>
-            <a:endParaRPr lang="en-GB" sz="1600" b="1" kern="0" dirty="0" smtClean="0">
+            <a:endParaRPr lang="en-GB" sz="1600" b="1" kern="0" dirty="0">
               <a:solidFill>
                 <a:schemeClr val="bg1"/>
               </a:solidFill>
@@ -6494,13 +6211,6 @@
           <a:bodyPr/>
           <a:lstStyle/>
           <a:p>
-            <a:endParaRPr lang="sr-Latn-RS" dirty="0" smtClean="0">
-              <a:solidFill>
-                <a:schemeClr val="tx1"/>
-              </a:solidFill>
-            </a:endParaRPr>
-          </a:p>
-          <a:p>
             <a:endParaRPr lang="sr-Latn-RS" dirty="0">
               <a:solidFill>
                 <a:schemeClr val="tx1"/>
@@ -6508,14 +6218,21 @@
             </a:endParaRPr>
           </a:p>
           <a:p>
-            <a:endParaRPr lang="sr-Latn-RS" dirty="0" smtClean="0">
+            <a:endParaRPr lang="sr-Latn-RS" dirty="0">
               <a:solidFill>
                 <a:schemeClr val="tx1"/>
               </a:solidFill>
             </a:endParaRPr>
           </a:p>
           <a:p>
-            <a:endParaRPr lang="sr-Latn-RS" dirty="0" smtClean="0">
+            <a:endParaRPr lang="sr-Latn-RS" dirty="0">
+              <a:solidFill>
+                <a:schemeClr val="tx1"/>
+              </a:solidFill>
+            </a:endParaRPr>
+          </a:p>
+          <a:p>
+            <a:endParaRPr lang="sr-Latn-RS" dirty="0">
               <a:solidFill>
                 <a:schemeClr val="tx1"/>
               </a:solidFill>
@@ -6640,13 +6357,6 @@
   <p:clrMapOvr>
     <a:masterClrMapping/>
   </p:clrMapOvr>
-  <p:timing>
-    <p:tnLst>
-      <p:par>
-        <p:cTn id="1" dur="indefinite" restart="never" nodeType="tmRoot"/>
-      </p:par>
-    </p:tnLst>
-  </p:timing>
 </p:sld>
 </file>
 
@@ -6683,62 +6393,41 @@
           <a:lstStyle/>
           <a:p>
             <a:r>
-              <a:rPr lang="sr-Latn-RS" dirty="0" smtClean="0"/>
+              <a:rPr lang="sr-Latn-RS" dirty="0"/>
               <a:t>~2000 labelisanih tvitova</a:t>
             </a:r>
           </a:p>
           <a:p>
             <a:r>
-              <a:rPr lang="sr-Latn-RS" dirty="0" smtClean="0"/>
+              <a:rPr lang="sr-Latn-RS" dirty="0"/>
               <a:t>Dva pristupa sumiranja reči u tvitu:</a:t>
             </a:r>
-            <a:endParaRPr lang="sr-Latn-RS" dirty="0" smtClean="0"/>
           </a:p>
           <a:p>
             <a:pPr lvl="1"/>
             <a:r>
-              <a:rPr lang="sr-Latn-RS" dirty="0" smtClean="0"/>
-              <a:t>Koristimo sumu </a:t>
-            </a:r>
-            <a:r>
-              <a:rPr lang="sr-Latn-RS" dirty="0" smtClean="0"/>
-              <a:t>reči </a:t>
-            </a:r>
-            <a:r>
-              <a:rPr lang="sr-Latn-RS" dirty="0" smtClean="0"/>
-              <a:t>u </a:t>
-            </a:r>
-            <a:r>
-              <a:rPr lang="sr-Latn-RS" dirty="0" smtClean="0"/>
-              <a:t>tvitu kao ulaz mreže</a:t>
-            </a:r>
-            <a:endParaRPr lang="sr-Latn-RS" dirty="0" smtClean="0"/>
+              <a:rPr lang="sr-Latn-RS" dirty="0"/>
+              <a:t>Koristimo prosek reči u tvitu kao ulaz mreže</a:t>
+            </a:r>
           </a:p>
           <a:p>
             <a:pPr lvl="1"/>
             <a:r>
-              <a:rPr lang="sr-Latn-RS" dirty="0" smtClean="0"/>
-              <a:t>Koristimo max </a:t>
-            </a:r>
-            <a:r>
-              <a:rPr lang="sr-Latn-RS" dirty="0" smtClean="0"/>
-              <a:t>reči </a:t>
-            </a:r>
-            <a:r>
-              <a:rPr lang="sr-Latn-RS" dirty="0" smtClean="0"/>
-              <a:t>u </a:t>
-            </a:r>
-            <a:r>
-              <a:rPr lang="sr-Latn-RS" dirty="0" smtClean="0"/>
-              <a:t>tvitu kao ulaz mreže</a:t>
-            </a:r>
-          </a:p>
-          <a:p>
-            <a:r>
-              <a:rPr lang="sr-Latn-RS" dirty="0" smtClean="0"/>
+              <a:rPr lang="sr-Latn-RS" dirty="0"/>
+              <a:t>Koristimo max reči u tvitu kao ulaz mreže</a:t>
+            </a:r>
+          </a:p>
+          <a:p>
+            <a:r>
+              <a:rPr lang="sr-Latn-RS" dirty="0"/>
+              <a:t>Dobijena tačnost 0.7</a:t>
+            </a:r>
+          </a:p>
+          <a:p>
+            <a:r>
+              <a:rPr lang="sr-Latn-RS" dirty="0"/>
               <a:t>Arhitektura neuronske mreže:</a:t>
             </a:r>
-            <a:endParaRPr lang="sr-Latn-RS" dirty="0" smtClean="0"/>
           </a:p>
           <a:p>
             <a:endParaRPr lang="sr-Latn-RS" dirty="0"/>
@@ -6763,14 +6452,9 @@
           <a:lstStyle/>
           <a:p>
             <a:r>
-              <a:rPr lang="sr-Latn-RS" sz="3600" dirty="0" smtClean="0"/>
-              <a:t>Sumiranje </a:t>
-            </a:r>
-            <a:r>
-              <a:rPr lang="sr-Latn-RS" sz="3600" dirty="0" smtClean="0"/>
-              <a:t>reči i standardna neuronska mreža</a:t>
-            </a:r>
-            <a:endParaRPr lang="sr-Latn-RS" sz="3600" dirty="0"/>
+              <a:rPr lang="sr-Latn-RS" sz="3600" dirty="0"/>
+              <a:t>Sumiranje reči i standardna neuronska mreža</a:t>
+            </a:r>
           </a:p>
         </p:txBody>
       </p:sp>
@@ -6796,7 +6480,7 @@
         </p:blipFill>
         <p:spPr>
           <a:xfrm>
-            <a:off x="685799" y="3733800"/>
+            <a:off x="990600" y="4220902"/>
             <a:ext cx="5639587" cy="1800476"/>
           </a:xfrm>
           <a:prstGeom prst="rect">
@@ -6814,13 +6498,6 @@
   <p:clrMapOvr>
     <a:masterClrMapping/>
   </p:clrMapOvr>
-  <p:timing>
-    <p:tnLst>
-      <p:par>
-        <p:cTn id="1" dur="indefinite" restart="never" nodeType="tmRoot"/>
-      </p:par>
-    </p:tnLst>
-  </p:timing>
 </p:sld>
 </file>
 
